--- a/Docs/Презентация.pptx
+++ b/Docs/Презентация.pptx
@@ -4,6 +4,9 @@
   <p:sldMasterIdLst>
     <p:sldMasterId id="2147483648" r:id="rId1"/>
   </p:sldMasterIdLst>
+  <p:notesMasterIdLst>
+    <p:notesMasterId r:id="rId9"/>
+  </p:notesMasterIdLst>
   <p:sldIdLst>
     <p:sldId id="256" r:id="rId2"/>
     <p:sldId id="257" r:id="rId3"/>
@@ -110,7 +113,387 @@
       </a:defRPr>
     </a:lvl9pPr>
   </p:defaultTextStyle>
+  <p:extLst>
+    <p:ext uri="{EFAFB233-063F-42B5-8137-9DF3F51BA10A}">
+      <p15:sldGuideLst xmlns:p15="http://schemas.microsoft.com/office/powerpoint/2012/main"/>
+    </p:ext>
+  </p:extLst>
 </p:presentation>
+</file>
+
+<file path=ppt/commentAuthors.xml><?xml version="1.0" encoding="utf-8"?>
+<p:cmAuthorLst xmlns:a="http://schemas.openxmlformats.org/drawingml/2006/main" xmlns:r="http://schemas.openxmlformats.org/officeDocument/2006/relationships" xmlns:p="http://schemas.openxmlformats.org/presentationml/2006/main">
+  <p:cmAuthor id="1" name="Вова Вова" initials="ВВ" lastIdx="1" clrIdx="0">
+    <p:extLst>
+      <p:ext uri="{19B8F6BF-5375-455C-9EA6-DF929625EA0E}">
+        <p15:presenceInfo xmlns:p15="http://schemas.microsoft.com/office/powerpoint/2012/main" userId="1370ff57a8d3ebd6" providerId="Windows Live"/>
+      </p:ext>
+    </p:extLst>
+  </p:cmAuthor>
+</p:cmAuthorLst>
+</file>
+
+<file path=ppt/comments/comment1.xml><?xml version="1.0" encoding="utf-8"?>
+<p:cmLst xmlns:a="http://schemas.openxmlformats.org/drawingml/2006/main" xmlns:r="http://schemas.openxmlformats.org/officeDocument/2006/relationships" xmlns:p="http://schemas.openxmlformats.org/presentationml/2006/main">
+  <p:cm authorId="1" dt="2020-12-21T20:24:28.350" idx="1">
+    <p:pos x="10" y="10"/>
+    <p:text/>
+    <p:extLst>
+      <p:ext uri="{C676402C-5697-4E1C-873F-D02D1690AC5C}">
+        <p15:threadingInfo xmlns:p15="http://schemas.microsoft.com/office/powerpoint/2012/main" timeZoneBias="-180"/>
+      </p:ext>
+    </p:extLst>
+  </p:cm>
+</p:cmLst>
+</file>
+
+<file path=ppt/notesMasters/notesMaster1.xml><?xml version="1.0" encoding="utf-8"?>
+<p:notesMaster xmlns:a="http://schemas.openxmlformats.org/drawingml/2006/main" xmlns:r="http://schemas.openxmlformats.org/officeDocument/2006/relationships" xmlns:p="http://schemas.openxmlformats.org/presentationml/2006/main">
+  <p:cSld>
+    <p:bg>
+      <p:bgRef idx="1001">
+        <a:schemeClr val="bg1"/>
+      </p:bgRef>
+    </p:bg>
+    <p:spTree>
+      <p:nvGrpSpPr>
+        <p:cNvPr id="1" name=""/>
+        <p:cNvGrpSpPr/>
+        <p:nvPr/>
+      </p:nvGrpSpPr>
+      <p:grpSpPr>
+        <a:xfrm>
+          <a:off x="0" y="0"/>
+          <a:ext cx="0" cy="0"/>
+          <a:chOff x="0" y="0"/>
+          <a:chExt cx="0" cy="0"/>
+        </a:xfrm>
+      </p:grpSpPr>
+      <p:sp>
+        <p:nvSpPr>
+          <p:cNvPr id="2" name="Верхний колонтитул 1"/>
+          <p:cNvSpPr>
+            <a:spLocks noGrp="1"/>
+          </p:cNvSpPr>
+          <p:nvPr>
+            <p:ph type="hdr" sz="quarter"/>
+          </p:nvPr>
+        </p:nvSpPr>
+        <p:spPr>
+          <a:xfrm>
+            <a:off x="0" y="0"/>
+            <a:ext cx="2971800" cy="458788"/>
+          </a:xfrm>
+          <a:prstGeom prst="rect">
+            <a:avLst/>
+          </a:prstGeom>
+        </p:spPr>
+        <p:txBody>
+          <a:bodyPr vert="horz" lIns="91440" tIns="45720" rIns="91440" bIns="45720" rtlCol="0"/>
+          <a:lstStyle>
+            <a:lvl1pPr algn="l">
+              <a:defRPr sz="1200"/>
+            </a:lvl1pPr>
+          </a:lstStyle>
+          <a:p>
+            <a:endParaRPr lang="ru-RU"/>
+          </a:p>
+        </p:txBody>
+      </p:sp>
+      <p:sp>
+        <p:nvSpPr>
+          <p:cNvPr id="3" name="Дата 2"/>
+          <p:cNvSpPr>
+            <a:spLocks noGrp="1"/>
+          </p:cNvSpPr>
+          <p:nvPr>
+            <p:ph type="dt" idx="1"/>
+          </p:nvPr>
+        </p:nvSpPr>
+        <p:spPr>
+          <a:xfrm>
+            <a:off x="3884613" y="0"/>
+            <a:ext cx="2971800" cy="458788"/>
+          </a:xfrm>
+          <a:prstGeom prst="rect">
+            <a:avLst/>
+          </a:prstGeom>
+        </p:spPr>
+        <p:txBody>
+          <a:bodyPr vert="horz" lIns="91440" tIns="45720" rIns="91440" bIns="45720" rtlCol="0"/>
+          <a:lstStyle>
+            <a:lvl1pPr algn="r">
+              <a:defRPr sz="1200"/>
+            </a:lvl1pPr>
+          </a:lstStyle>
+          <a:p>
+            <a:fld id="{67AA3703-F137-4EEC-BA90-EF21EFC4A050}" type="datetimeFigureOut">
+              <a:rPr lang="ru-RU" smtClean="0"/>
+              <a:t>21.12.2020</a:t>
+            </a:fld>
+            <a:endParaRPr lang="ru-RU"/>
+          </a:p>
+        </p:txBody>
+      </p:sp>
+      <p:sp>
+        <p:nvSpPr>
+          <p:cNvPr id="4" name="Образ слайда 3"/>
+          <p:cNvSpPr>
+            <a:spLocks noGrp="1" noRot="1" noChangeAspect="1"/>
+          </p:cNvSpPr>
+          <p:nvPr>
+            <p:ph type="sldImg" idx="2"/>
+          </p:nvPr>
+        </p:nvSpPr>
+        <p:spPr>
+          <a:xfrm>
+            <a:off x="685800" y="1143000"/>
+            <a:ext cx="5486400" cy="3086100"/>
+          </a:xfrm>
+          <a:prstGeom prst="rect">
+            <a:avLst/>
+          </a:prstGeom>
+          <a:noFill/>
+          <a:ln w="12700">
+            <a:solidFill>
+              <a:prstClr val="black"/>
+            </a:solidFill>
+          </a:ln>
+        </p:spPr>
+        <p:txBody>
+          <a:bodyPr vert="horz" lIns="91440" tIns="45720" rIns="91440" bIns="45720" rtlCol="0" anchor="ctr"/>
+          <a:lstStyle/>
+          <a:p>
+            <a:endParaRPr lang="ru-RU"/>
+          </a:p>
+        </p:txBody>
+      </p:sp>
+      <p:sp>
+        <p:nvSpPr>
+          <p:cNvPr id="5" name="Заметки 4"/>
+          <p:cNvSpPr>
+            <a:spLocks noGrp="1"/>
+          </p:cNvSpPr>
+          <p:nvPr>
+            <p:ph type="body" sz="quarter" idx="3"/>
+          </p:nvPr>
+        </p:nvSpPr>
+        <p:spPr>
+          <a:xfrm>
+            <a:off x="685800" y="4400550"/>
+            <a:ext cx="5486400" cy="3600450"/>
+          </a:xfrm>
+          <a:prstGeom prst="rect">
+            <a:avLst/>
+          </a:prstGeom>
+        </p:spPr>
+        <p:txBody>
+          <a:bodyPr vert="horz" lIns="91440" tIns="45720" rIns="91440" bIns="45720" rtlCol="0"/>
+          <a:lstStyle/>
+          <a:p>
+            <a:pPr lvl="0"/>
+            <a:r>
+              <a:rPr lang="ru-RU"/>
+              <a:t>Образец текста</a:t>
+            </a:r>
+          </a:p>
+          <a:p>
+            <a:pPr lvl="1"/>
+            <a:r>
+              <a:rPr lang="ru-RU"/>
+              <a:t>Второй уровень</a:t>
+            </a:r>
+          </a:p>
+          <a:p>
+            <a:pPr lvl="2"/>
+            <a:r>
+              <a:rPr lang="ru-RU"/>
+              <a:t>Третий уровень</a:t>
+            </a:r>
+          </a:p>
+          <a:p>
+            <a:pPr lvl="3"/>
+            <a:r>
+              <a:rPr lang="ru-RU"/>
+              <a:t>Четвертый уровень</a:t>
+            </a:r>
+          </a:p>
+          <a:p>
+            <a:pPr lvl="4"/>
+            <a:r>
+              <a:rPr lang="ru-RU"/>
+              <a:t>Пятый уровень</a:t>
+            </a:r>
+          </a:p>
+        </p:txBody>
+      </p:sp>
+      <p:sp>
+        <p:nvSpPr>
+          <p:cNvPr id="6" name="Нижний колонтитул 5"/>
+          <p:cNvSpPr>
+            <a:spLocks noGrp="1"/>
+          </p:cNvSpPr>
+          <p:nvPr>
+            <p:ph type="ftr" sz="quarter" idx="4"/>
+          </p:nvPr>
+        </p:nvSpPr>
+        <p:spPr>
+          <a:xfrm>
+            <a:off x="0" y="8685213"/>
+            <a:ext cx="2971800" cy="458787"/>
+          </a:xfrm>
+          <a:prstGeom prst="rect">
+            <a:avLst/>
+          </a:prstGeom>
+        </p:spPr>
+        <p:txBody>
+          <a:bodyPr vert="horz" lIns="91440" tIns="45720" rIns="91440" bIns="45720" rtlCol="0" anchor="b"/>
+          <a:lstStyle>
+            <a:lvl1pPr algn="l">
+              <a:defRPr sz="1200"/>
+            </a:lvl1pPr>
+          </a:lstStyle>
+          <a:p>
+            <a:endParaRPr lang="ru-RU"/>
+          </a:p>
+        </p:txBody>
+      </p:sp>
+      <p:sp>
+        <p:nvSpPr>
+          <p:cNvPr id="7" name="Номер слайда 6"/>
+          <p:cNvSpPr>
+            <a:spLocks noGrp="1"/>
+          </p:cNvSpPr>
+          <p:nvPr>
+            <p:ph type="sldNum" sz="quarter" idx="5"/>
+          </p:nvPr>
+        </p:nvSpPr>
+        <p:spPr>
+          <a:xfrm>
+            <a:off x="3884613" y="8685213"/>
+            <a:ext cx="2971800" cy="458787"/>
+          </a:xfrm>
+          <a:prstGeom prst="rect">
+            <a:avLst/>
+          </a:prstGeom>
+        </p:spPr>
+        <p:txBody>
+          <a:bodyPr vert="horz" lIns="91440" tIns="45720" rIns="91440" bIns="45720" rtlCol="0" anchor="b"/>
+          <a:lstStyle>
+            <a:lvl1pPr algn="r">
+              <a:defRPr sz="1200"/>
+            </a:lvl1pPr>
+          </a:lstStyle>
+          <a:p>
+            <a:fld id="{9E7C1B34-620E-4B90-86DE-7D825A77DB94}" type="slidenum">
+              <a:rPr lang="ru-RU" smtClean="0"/>
+              <a:t>‹#›</a:t>
+            </a:fld>
+            <a:endParaRPr lang="ru-RU"/>
+          </a:p>
+        </p:txBody>
+      </p:sp>
+    </p:spTree>
+    <p:extLst>
+      <p:ext uri="{BB962C8B-B14F-4D97-AF65-F5344CB8AC3E}">
+        <p14:creationId xmlns:p14="http://schemas.microsoft.com/office/powerpoint/2010/main" val="1102112709"/>
+      </p:ext>
+    </p:extLst>
+  </p:cSld>
+  <p:clrMap bg1="lt1" tx1="dk1" bg2="lt2" tx2="dk2" accent1="accent1" accent2="accent2" accent3="accent3" accent4="accent4" accent5="accent5" accent6="accent6" hlink="hlink" folHlink="folHlink"/>
+  <p:notesStyle>
+    <a:lvl1pPr marL="0" algn="l" defTabSz="914400" rtl="0" eaLnBrk="1" latinLnBrk="0" hangingPunct="1">
+      <a:defRPr sz="1200" kern="1200">
+        <a:solidFill>
+          <a:schemeClr val="tx1"/>
+        </a:solidFill>
+        <a:latin typeface="+mn-lt"/>
+        <a:ea typeface="+mn-ea"/>
+        <a:cs typeface="+mn-cs"/>
+      </a:defRPr>
+    </a:lvl1pPr>
+    <a:lvl2pPr marL="457200" algn="l" defTabSz="914400" rtl="0" eaLnBrk="1" latinLnBrk="0" hangingPunct="1">
+      <a:defRPr sz="1200" kern="1200">
+        <a:solidFill>
+          <a:schemeClr val="tx1"/>
+        </a:solidFill>
+        <a:latin typeface="+mn-lt"/>
+        <a:ea typeface="+mn-ea"/>
+        <a:cs typeface="+mn-cs"/>
+      </a:defRPr>
+    </a:lvl2pPr>
+    <a:lvl3pPr marL="914400" algn="l" defTabSz="914400" rtl="0" eaLnBrk="1" latinLnBrk="0" hangingPunct="1">
+      <a:defRPr sz="1200" kern="1200">
+        <a:solidFill>
+          <a:schemeClr val="tx1"/>
+        </a:solidFill>
+        <a:latin typeface="+mn-lt"/>
+        <a:ea typeface="+mn-ea"/>
+        <a:cs typeface="+mn-cs"/>
+      </a:defRPr>
+    </a:lvl3pPr>
+    <a:lvl4pPr marL="1371600" algn="l" defTabSz="914400" rtl="0" eaLnBrk="1" latinLnBrk="0" hangingPunct="1">
+      <a:defRPr sz="1200" kern="1200">
+        <a:solidFill>
+          <a:schemeClr val="tx1"/>
+        </a:solidFill>
+        <a:latin typeface="+mn-lt"/>
+        <a:ea typeface="+mn-ea"/>
+        <a:cs typeface="+mn-cs"/>
+      </a:defRPr>
+    </a:lvl4pPr>
+    <a:lvl5pPr marL="1828800" algn="l" defTabSz="914400" rtl="0" eaLnBrk="1" latinLnBrk="0" hangingPunct="1">
+      <a:defRPr sz="1200" kern="1200">
+        <a:solidFill>
+          <a:schemeClr val="tx1"/>
+        </a:solidFill>
+        <a:latin typeface="+mn-lt"/>
+        <a:ea typeface="+mn-ea"/>
+        <a:cs typeface="+mn-cs"/>
+      </a:defRPr>
+    </a:lvl5pPr>
+    <a:lvl6pPr marL="2286000" algn="l" defTabSz="914400" rtl="0" eaLnBrk="1" latinLnBrk="0" hangingPunct="1">
+      <a:defRPr sz="1200" kern="1200">
+        <a:solidFill>
+          <a:schemeClr val="tx1"/>
+        </a:solidFill>
+        <a:latin typeface="+mn-lt"/>
+        <a:ea typeface="+mn-ea"/>
+        <a:cs typeface="+mn-cs"/>
+      </a:defRPr>
+    </a:lvl6pPr>
+    <a:lvl7pPr marL="2743200" algn="l" defTabSz="914400" rtl="0" eaLnBrk="1" latinLnBrk="0" hangingPunct="1">
+      <a:defRPr sz="1200" kern="1200">
+        <a:solidFill>
+          <a:schemeClr val="tx1"/>
+        </a:solidFill>
+        <a:latin typeface="+mn-lt"/>
+        <a:ea typeface="+mn-ea"/>
+        <a:cs typeface="+mn-cs"/>
+      </a:defRPr>
+    </a:lvl7pPr>
+    <a:lvl8pPr marL="3200400" algn="l" defTabSz="914400" rtl="0" eaLnBrk="1" latinLnBrk="0" hangingPunct="1">
+      <a:defRPr sz="1200" kern="1200">
+        <a:solidFill>
+          <a:schemeClr val="tx1"/>
+        </a:solidFill>
+        <a:latin typeface="+mn-lt"/>
+        <a:ea typeface="+mn-ea"/>
+        <a:cs typeface="+mn-cs"/>
+      </a:defRPr>
+    </a:lvl8pPr>
+    <a:lvl9pPr marL="3657600" algn="l" defTabSz="914400" rtl="0" eaLnBrk="1" latinLnBrk="0" hangingPunct="1">
+      <a:defRPr sz="1200" kern="1200">
+        <a:solidFill>
+          <a:schemeClr val="tx1"/>
+        </a:solidFill>
+        <a:latin typeface="+mn-lt"/>
+        <a:ea typeface="+mn-ea"/>
+        <a:cs typeface="+mn-cs"/>
+      </a:defRPr>
+    </a:lvl9pPr>
+  </p:notesStyle>
+</p:notesMaster>
 </file>
 
 <file path=ppt/slideLayouts/slideLayout1.xml><?xml version="1.0" encoding="utf-8"?>
@@ -445,6 +828,18 @@
   <p:clrMapOvr>
     <a:masterClrMapping/>
   </p:clrMapOvr>
+  <mc:AlternateContent xmlns:mc="http://schemas.openxmlformats.org/markup-compatibility/2006">
+    <mc:Choice xmlns:p15="http://schemas.microsoft.com/office/powerpoint/2012/main" Requires="p15">
+      <p:transition xmlns:p14="http://schemas.microsoft.com/office/powerpoint/2010/main" spd="slow" p14:dur="1250">
+        <p15:prstTrans prst="pageCurlDouble"/>
+      </p:transition>
+    </mc:Choice>
+    <mc:Fallback>
+      <p:transition spd="slow">
+        <p:fade/>
+      </p:transition>
+    </mc:Fallback>
+  </mc:AlternateContent>
 </p:sldLayout>
 </file>
 
@@ -854,6 +1249,18 @@
   <p:clrMapOvr>
     <a:masterClrMapping/>
   </p:clrMapOvr>
+  <mc:AlternateContent xmlns:mc="http://schemas.openxmlformats.org/markup-compatibility/2006">
+    <mc:Choice xmlns:p15="http://schemas.microsoft.com/office/powerpoint/2012/main" Requires="p15">
+      <p:transition xmlns:p14="http://schemas.microsoft.com/office/powerpoint/2010/main" spd="slow" p14:dur="1250">
+        <p15:prstTrans prst="pageCurlDouble"/>
+      </p:transition>
+    </mc:Choice>
+    <mc:Fallback>
+      <p:transition spd="slow">
+        <p:fade/>
+      </p:transition>
+    </mc:Fallback>
+  </mc:AlternateContent>
 </p:sldLayout>
 </file>
 
@@ -1185,6 +1592,18 @@
   <p:clrMapOvr>
     <a:masterClrMapping/>
   </p:clrMapOvr>
+  <mc:AlternateContent xmlns:mc="http://schemas.openxmlformats.org/markup-compatibility/2006">
+    <mc:Choice xmlns:p15="http://schemas.microsoft.com/office/powerpoint/2012/main" Requires="p15">
+      <p:transition xmlns:p14="http://schemas.microsoft.com/office/powerpoint/2010/main" spd="slow" p14:dur="1250">
+        <p15:prstTrans prst="pageCurlDouble"/>
+      </p:transition>
+    </mc:Choice>
+    <mc:Fallback>
+      <p:transition spd="slow">
+        <p:fade/>
+      </p:transition>
+    </mc:Fallback>
+  </mc:AlternateContent>
 </p:sldLayout>
 </file>
 
@@ -1817,6 +2236,18 @@
   <p:clrMapOvr>
     <a:masterClrMapping/>
   </p:clrMapOvr>
+  <mc:AlternateContent xmlns:mc="http://schemas.openxmlformats.org/markup-compatibility/2006">
+    <mc:Choice xmlns:p15="http://schemas.microsoft.com/office/powerpoint/2012/main" Requires="p15">
+      <p:transition xmlns:p14="http://schemas.microsoft.com/office/powerpoint/2010/main" spd="slow" p14:dur="1250">
+        <p15:prstTrans prst="pageCurlDouble"/>
+      </p:transition>
+    </mc:Choice>
+    <mc:Fallback>
+      <p:transition spd="slow">
+        <p:fade/>
+      </p:transition>
+    </mc:Fallback>
+  </mc:AlternateContent>
 </p:sldLayout>
 </file>
 
@@ -2148,6 +2579,18 @@
   <p:clrMapOvr>
     <a:masterClrMapping/>
   </p:clrMapOvr>
+  <mc:AlternateContent xmlns:mc="http://schemas.openxmlformats.org/markup-compatibility/2006">
+    <mc:Choice xmlns:p15="http://schemas.microsoft.com/office/powerpoint/2012/main" Requires="p15">
+      <p:transition xmlns:p14="http://schemas.microsoft.com/office/powerpoint/2010/main" spd="slow" p14:dur="1250">
+        <p15:prstTrans prst="pageCurlDouble"/>
+      </p:transition>
+    </mc:Choice>
+    <mc:Fallback>
+      <p:transition spd="slow">
+        <p:fade/>
+      </p:transition>
+    </mc:Fallback>
+  </mc:AlternateContent>
 </p:sldLayout>
 </file>
 
@@ -2819,6 +3262,18 @@
   <p:clrMapOvr>
     <a:masterClrMapping/>
   </p:clrMapOvr>
+  <mc:AlternateContent xmlns:mc="http://schemas.openxmlformats.org/markup-compatibility/2006">
+    <mc:Choice xmlns:p15="http://schemas.microsoft.com/office/powerpoint/2012/main" Requires="p15">
+      <p:transition xmlns:p14="http://schemas.microsoft.com/office/powerpoint/2010/main" spd="slow" p14:dur="1250">
+        <p15:prstTrans prst="pageCurlDouble"/>
+      </p:transition>
+    </mc:Choice>
+    <mc:Fallback>
+      <p:transition spd="slow">
+        <p:fade/>
+      </p:transition>
+    </mc:Fallback>
+  </mc:AlternateContent>
 </p:sldLayout>
 </file>
 
@@ -3727,6 +4182,18 @@
   <p:clrMapOvr>
     <a:masterClrMapping/>
   </p:clrMapOvr>
+  <mc:AlternateContent xmlns:mc="http://schemas.openxmlformats.org/markup-compatibility/2006">
+    <mc:Choice xmlns:p15="http://schemas.microsoft.com/office/powerpoint/2012/main" Requires="p15">
+      <p:transition xmlns:p14="http://schemas.microsoft.com/office/powerpoint/2010/main" spd="slow" p14:dur="1250">
+        <p15:prstTrans prst="pageCurlDouble"/>
+      </p:transition>
+    </mc:Choice>
+    <mc:Fallback>
+      <p:transition spd="slow">
+        <p:fade/>
+      </p:transition>
+    </mc:Fallback>
+  </mc:AlternateContent>
 </p:sldLayout>
 </file>
 
@@ -4035,6 +4502,18 @@
   <p:clrMapOvr>
     <a:masterClrMapping/>
   </p:clrMapOvr>
+  <mc:AlternateContent xmlns:mc="http://schemas.openxmlformats.org/markup-compatibility/2006">
+    <mc:Choice xmlns:p15="http://schemas.microsoft.com/office/powerpoint/2012/main" Requires="p15">
+      <p:transition xmlns:p14="http://schemas.microsoft.com/office/powerpoint/2010/main" spd="slow" p14:dur="1250">
+        <p15:prstTrans prst="pageCurlDouble"/>
+      </p:transition>
+    </mc:Choice>
+    <mc:Fallback>
+      <p:transition spd="slow">
+        <p:fade/>
+      </p:transition>
+    </mc:Fallback>
+  </mc:AlternateContent>
 </p:sldLayout>
 </file>
 
@@ -4309,6 +4788,18 @@
   <p:clrMapOvr>
     <a:masterClrMapping/>
   </p:clrMapOvr>
+  <mc:AlternateContent xmlns:mc="http://schemas.openxmlformats.org/markup-compatibility/2006">
+    <mc:Choice xmlns:p15="http://schemas.microsoft.com/office/powerpoint/2012/main" Requires="p15">
+      <p:transition xmlns:p14="http://schemas.microsoft.com/office/powerpoint/2010/main" spd="slow" p14:dur="1250">
+        <p15:prstTrans prst="pageCurlDouble"/>
+      </p:transition>
+    </mc:Choice>
+    <mc:Fallback>
+      <p:transition spd="slow">
+        <p:fade/>
+      </p:transition>
+    </mc:Fallback>
+  </mc:AlternateContent>
 </p:sldLayout>
 </file>
 
@@ -4613,6 +5104,18 @@
   <p:clrMapOvr>
     <a:masterClrMapping/>
   </p:clrMapOvr>
+  <mc:AlternateContent xmlns:mc="http://schemas.openxmlformats.org/markup-compatibility/2006">
+    <mc:Choice xmlns:p15="http://schemas.microsoft.com/office/powerpoint/2012/main" Requires="p15">
+      <p:transition xmlns:p14="http://schemas.microsoft.com/office/powerpoint/2010/main" spd="slow" p14:dur="1250">
+        <p15:prstTrans prst="pageCurlDouble"/>
+      </p:transition>
+    </mc:Choice>
+    <mc:Fallback>
+      <p:transition spd="slow">
+        <p:fade/>
+      </p:transition>
+    </mc:Fallback>
+  </mc:AlternateContent>
 </p:sldLayout>
 </file>
 
@@ -5002,6 +5505,18 @@
   <p:clrMapOvr>
     <a:masterClrMapping/>
   </p:clrMapOvr>
+  <mc:AlternateContent xmlns:mc="http://schemas.openxmlformats.org/markup-compatibility/2006">
+    <mc:Choice xmlns:p15="http://schemas.microsoft.com/office/powerpoint/2012/main" Requires="p15">
+      <p:transition xmlns:p14="http://schemas.microsoft.com/office/powerpoint/2010/main" spd="slow" p14:dur="1250">
+        <p15:prstTrans prst="pageCurlDouble"/>
+      </p:transition>
+    </mc:Choice>
+    <mc:Fallback>
+      <p:transition spd="slow">
+        <p:fade/>
+      </p:transition>
+    </mc:Fallback>
+  </mc:AlternateContent>
 </p:sldLayout>
 </file>
 
@@ -5368,6 +5883,18 @@
   <p:clrMapOvr>
     <a:masterClrMapping/>
   </p:clrMapOvr>
+  <mc:AlternateContent xmlns:mc="http://schemas.openxmlformats.org/markup-compatibility/2006">
+    <mc:Choice xmlns:p15="http://schemas.microsoft.com/office/powerpoint/2012/main" Requires="p15">
+      <p:transition xmlns:p14="http://schemas.microsoft.com/office/powerpoint/2010/main" spd="slow" p14:dur="1250">
+        <p15:prstTrans prst="pageCurlDouble"/>
+      </p:transition>
+    </mc:Choice>
+    <mc:Fallback>
+      <p:transition spd="slow">
+        <p:fade/>
+      </p:transition>
+    </mc:Fallback>
+  </mc:AlternateContent>
 </p:sldLayout>
 </file>
 
@@ -5869,6 +6396,18 @@
   <p:clrMapOvr>
     <a:masterClrMapping/>
   </p:clrMapOvr>
+  <mc:AlternateContent xmlns:mc="http://schemas.openxmlformats.org/markup-compatibility/2006">
+    <mc:Choice xmlns:p15="http://schemas.microsoft.com/office/powerpoint/2012/main" Requires="p15">
+      <p:transition xmlns:p14="http://schemas.microsoft.com/office/powerpoint/2010/main" spd="slow" p14:dur="1250">
+        <p15:prstTrans prst="pageCurlDouble"/>
+      </p:transition>
+    </mc:Choice>
+    <mc:Fallback>
+      <p:transition spd="slow">
+        <p:fade/>
+      </p:transition>
+    </mc:Fallback>
+  </mc:AlternateContent>
 </p:sldLayout>
 </file>
 
@@ -6121,6 +6660,18 @@
   <p:clrMapOvr>
     <a:masterClrMapping/>
   </p:clrMapOvr>
+  <mc:AlternateContent xmlns:mc="http://schemas.openxmlformats.org/markup-compatibility/2006">
+    <mc:Choice xmlns:p15="http://schemas.microsoft.com/office/powerpoint/2012/main" Requires="p15">
+      <p:transition xmlns:p14="http://schemas.microsoft.com/office/powerpoint/2010/main" spd="slow" p14:dur="1250">
+        <p15:prstTrans prst="pageCurlDouble"/>
+      </p:transition>
+    </mc:Choice>
+    <mc:Fallback>
+      <p:transition spd="slow">
+        <p:fade/>
+      </p:transition>
+    </mc:Fallback>
+  </mc:AlternateContent>
 </p:sldLayout>
 </file>
 
@@ -6279,6 +6830,18 @@
   <p:clrMapOvr>
     <a:masterClrMapping/>
   </p:clrMapOvr>
+  <mc:AlternateContent xmlns:mc="http://schemas.openxmlformats.org/markup-compatibility/2006">
+    <mc:Choice xmlns:p15="http://schemas.microsoft.com/office/powerpoint/2012/main" Requires="p15">
+      <p:transition xmlns:p14="http://schemas.microsoft.com/office/powerpoint/2010/main" spd="slow" p14:dur="1250">
+        <p15:prstTrans prst="pageCurlDouble"/>
+      </p:transition>
+    </mc:Choice>
+    <mc:Fallback>
+      <p:transition spd="slow">
+        <p:fade/>
+      </p:transition>
+    </mc:Fallback>
+  </mc:AlternateContent>
 </p:sldLayout>
 </file>
 
@@ -6664,6 +7227,18 @@
   <p:clrMapOvr>
     <a:masterClrMapping/>
   </p:clrMapOvr>
+  <mc:AlternateContent xmlns:mc="http://schemas.openxmlformats.org/markup-compatibility/2006">
+    <mc:Choice xmlns:p15="http://schemas.microsoft.com/office/powerpoint/2012/main" Requires="p15">
+      <p:transition xmlns:p14="http://schemas.microsoft.com/office/powerpoint/2010/main" spd="slow" p14:dur="1250">
+        <p15:prstTrans prst="pageCurlDouble"/>
+      </p:transition>
+    </mc:Choice>
+    <mc:Fallback>
+      <p:transition spd="slow">
+        <p:fade/>
+      </p:transition>
+    </mc:Fallback>
+  </mc:AlternateContent>
 </p:sldLayout>
 </file>
 
@@ -7068,6 +7643,18 @@
   <p:clrMapOvr>
     <a:masterClrMapping/>
   </p:clrMapOvr>
+  <mc:AlternateContent xmlns:mc="http://schemas.openxmlformats.org/markup-compatibility/2006">
+    <mc:Choice xmlns:p15="http://schemas.microsoft.com/office/powerpoint/2012/main" Requires="p15">
+      <p:transition xmlns:p14="http://schemas.microsoft.com/office/powerpoint/2010/main" spd="slow" p14:dur="1250">
+        <p15:prstTrans prst="pageCurlDouble"/>
+      </p:transition>
+    </mc:Choice>
+    <mc:Fallback>
+      <p:transition spd="slow">
+        <p:fade/>
+      </p:transition>
+    </mc:Fallback>
+  </mc:AlternateContent>
 </p:sldLayout>
 </file>
 
@@ -7361,6 +7948,18 @@
     <p:sldLayoutId id="2147483658" r:id="rId16"/>
     <p:sldLayoutId id="2147483659" r:id="rId17"/>
   </p:sldLayoutIdLst>
+  <mc:AlternateContent xmlns:mc="http://schemas.openxmlformats.org/markup-compatibility/2006">
+    <mc:Choice xmlns:p15="http://schemas.microsoft.com/office/powerpoint/2012/main" Requires="p15">
+      <p:transition xmlns:p14="http://schemas.microsoft.com/office/powerpoint/2010/main" spd="slow" p14:dur="1250">
+        <p15:prstTrans prst="pageCurlDouble"/>
+      </p:transition>
+    </mc:Choice>
+    <mc:Fallback>
+      <p:transition spd="slow">
+        <p:fade/>
+      </p:transition>
+    </mc:Fallback>
+  </mc:AlternateContent>
   <p:hf sldNum="0" hdr="0" ftr="0" dt="0"/>
   <p:txStyles>
     <p:titleStyle>
@@ -7751,6 +8350,14 @@
   <p:clrMapOvr>
     <a:masterClrMapping/>
   </p:clrMapOvr>
+  <mc:AlternateContent xmlns:mc="http://schemas.openxmlformats.org/markup-compatibility/2006">
+    <mc:Choice xmlns:p14="http://schemas.microsoft.com/office/powerpoint/2010/main" Requires="p14">
+      <p:transition p14:dur="0"/>
+    </mc:Choice>
+    <mc:Fallback>
+      <p:transition/>
+    </mc:Fallback>
+  </mc:AlternateContent>
 </p:sld>
 </file>
 
@@ -7837,6 +8444,18 @@
   <p:clrMapOvr>
     <a:masterClrMapping/>
   </p:clrMapOvr>
+  <mc:AlternateContent xmlns:mc="http://schemas.openxmlformats.org/markup-compatibility/2006">
+    <mc:Choice xmlns:p15="http://schemas.microsoft.com/office/powerpoint/2012/main" Requires="p15">
+      <p:transition xmlns:p14="http://schemas.microsoft.com/office/powerpoint/2010/main" spd="slow" p14:dur="1250">
+        <p15:prstTrans prst="pageCurlDouble"/>
+      </p:transition>
+    </mc:Choice>
+    <mc:Fallback>
+      <p:transition spd="slow">
+        <p:fade/>
+      </p:transition>
+    </mc:Fallback>
+  </mc:AlternateContent>
 </p:sld>
 </file>
 
@@ -7885,8 +8504,8 @@
           </a:p>
         </p:txBody>
       </p:sp>
-      <mc:AlternateContent xmlns:mc="http://schemas.openxmlformats.org/markup-compatibility/2006">
-        <mc:Choice xmlns:a14="http://schemas.microsoft.com/office/drawing/2010/main" Requires="a14">
+      <mc:AlternateContent xmlns:mc="http://schemas.openxmlformats.org/markup-compatibility/2006" xmlns:a14="http://schemas.microsoft.com/office/drawing/2010/main">
+        <mc:Choice Requires="a14">
           <p:sp>
             <p:nvSpPr>
               <p:cNvPr id="3" name="Объект 2">
@@ -8087,41 +8706,55 @@
                     <m:sSub>
                       <m:sSubPr>
                         <m:ctrlPr>
-                          <a:rPr lang="ru-RU" i="1"/>
+                          <a:rPr lang="ru-RU" i="1">
+                            <a:latin typeface="Cambria Math" panose="02040503050406030204" pitchFamily="18" charset="0"/>
+                          </a:rPr>
                         </m:ctrlPr>
                       </m:sSubPr>
                       <m:e>
                         <m:r>
-                          <a:rPr lang="ru-RU" i="1"/>
+                          <a:rPr lang="ru-RU" i="1">
+                            <a:latin typeface="Cambria Math" panose="02040503050406030204" pitchFamily="18" charset="0"/>
+                          </a:rPr>
                           <m:t>𝑆</m:t>
                         </m:r>
                       </m:e>
                       <m:sub>
                         <m:r>
-                          <a:rPr lang="ru-RU" i="1"/>
+                          <a:rPr lang="ru-RU" i="1">
+                            <a:latin typeface="Cambria Math" panose="02040503050406030204" pitchFamily="18" charset="0"/>
+                          </a:rPr>
                           <m:t>𝑝𝑒𝑟𝑓</m:t>
                         </m:r>
                       </m:sub>
                     </m:sSub>
                     <m:r>
-                      <a:rPr lang="ru-RU" i="1"/>
+                      <a:rPr lang="ru-RU" i="1">
+                        <a:latin typeface="Cambria Math" panose="02040503050406030204" pitchFamily="18" charset="0"/>
+                      </a:rPr>
                       <m:t> = </m:t>
                     </m:r>
                     <m:f>
                       <m:fPr>
                         <m:ctrlPr>
-                          <a:rPr lang="ru-RU" i="1"/>
+                          <a:rPr lang="ru-RU" i="1">
+                            <a:latin typeface="Cambria Math" panose="02040503050406030204" pitchFamily="18" charset="0"/>
+                          </a:rPr>
                         </m:ctrlPr>
                       </m:fPr>
                       <m:num>
                         <m:r>
-                          <a:rPr lang="ru-RU" i="1"/>
+                          <a:rPr lang="ru-RU" i="1">
+                            <a:latin typeface="Cambria Math" panose="02040503050406030204" pitchFamily="18" charset="0"/>
+                          </a:rPr>
                           <m:t>1000000</m:t>
                         </m:r>
                       </m:num>
                       <m:den>
                         <m:r>
-                          <a:rPr lang="ru-RU" i="1"/>
+                          <a:rPr lang="ru-RU" i="1">
+                            <a:latin typeface="Cambria Math" panose="02040503050406030204" pitchFamily="18" charset="0"/>
+                          </a:rPr>
                           <m:t>𝑁</m:t>
                         </m:r>
                       </m:den>
@@ -8168,47 +8801,63 @@
                     <m:sSub>
                       <m:sSubPr>
                         <m:ctrlPr>
-                          <a:rPr lang="ru-RU" i="1"/>
+                          <a:rPr lang="ru-RU" i="1">
+                            <a:latin typeface="Cambria Math" panose="02040503050406030204" pitchFamily="18" charset="0"/>
+                          </a:rPr>
                         </m:ctrlPr>
                       </m:sSubPr>
                       <m:e>
                         <m:r>
-                          <a:rPr lang="ru-RU" i="1"/>
+                          <a:rPr lang="ru-RU" i="1">
+                            <a:latin typeface="Cambria Math" panose="02040503050406030204" pitchFamily="18" charset="0"/>
+                          </a:rPr>
                           <m:t>𝑆</m:t>
                         </m:r>
                       </m:e>
                       <m:sub>
                         <m:r>
-                          <a:rPr lang="ru-RU" i="1"/>
+                          <a:rPr lang="ru-RU" i="1">
+                            <a:latin typeface="Cambria Math" panose="02040503050406030204" pitchFamily="18" charset="0"/>
+                          </a:rPr>
                           <m:t>𝑔𝑜𝑜𝑑</m:t>
                         </m:r>
                       </m:sub>
                     </m:sSub>
                     <m:r>
-                      <a:rPr lang="ru-RU" i="1"/>
+                      <a:rPr lang="ru-RU" i="1">
+                        <a:latin typeface="Cambria Math" panose="02040503050406030204" pitchFamily="18" charset="0"/>
+                      </a:rPr>
                       <m:t> = </m:t>
                     </m:r>
                     <m:sSub>
                       <m:sSubPr>
                         <m:ctrlPr>
-                          <a:rPr lang="ru-RU" i="1"/>
+                          <a:rPr lang="ru-RU" i="1">
+                            <a:latin typeface="Cambria Math" panose="02040503050406030204" pitchFamily="18" charset="0"/>
+                          </a:rPr>
                         </m:ctrlPr>
                       </m:sSubPr>
                       <m:e>
                         <m:r>
-                          <a:rPr lang="ru-RU" i="1"/>
+                          <a:rPr lang="ru-RU" i="1">
+                            <a:latin typeface="Cambria Math" panose="02040503050406030204" pitchFamily="18" charset="0"/>
+                          </a:rPr>
                           <m:t>𝑆</m:t>
                         </m:r>
                       </m:e>
                       <m:sub>
                         <m:r>
-                          <a:rPr lang="ru-RU" i="1"/>
+                          <a:rPr lang="ru-RU" i="1">
+                            <a:latin typeface="Cambria Math" panose="02040503050406030204" pitchFamily="18" charset="0"/>
+                          </a:rPr>
                           <m:t>𝑝𝑒𝑟𝑓</m:t>
                         </m:r>
                       </m:sub>
                     </m:sSub>
                     <m:r>
-                      <a:rPr lang="ru-RU" i="1"/>
+                      <a:rPr lang="ru-RU" i="1">
+                        <a:latin typeface="Cambria Math" panose="02040503050406030204" pitchFamily="18" charset="0"/>
+                      </a:rPr>
                       <m:t>∗0.75</m:t>
                     </m:r>
                   </m:oMath>
@@ -8232,53 +8881,71 @@
                 <a14:m>
                   <m:oMath xmlns:m="http://schemas.openxmlformats.org/officeDocument/2006/math">
                     <m:r>
-                      <a:rPr lang="ru-RU" i="1"/>
+                      <a:rPr lang="ru-RU" i="1">
+                        <a:latin typeface="Cambria Math" panose="02040503050406030204" pitchFamily="18" charset="0"/>
+                      </a:rPr>
                       <m:t> </m:t>
                     </m:r>
                     <m:sSub>
                       <m:sSubPr>
                         <m:ctrlPr>
-                          <a:rPr lang="ru-RU" i="1"/>
+                          <a:rPr lang="ru-RU" i="1">
+                            <a:latin typeface="Cambria Math" panose="02040503050406030204" pitchFamily="18" charset="0"/>
+                          </a:rPr>
                         </m:ctrlPr>
                       </m:sSubPr>
                       <m:e>
                         <m:r>
-                          <a:rPr lang="ru-RU" i="1"/>
+                          <a:rPr lang="ru-RU" i="1">
+                            <a:latin typeface="Cambria Math" panose="02040503050406030204" pitchFamily="18" charset="0"/>
+                          </a:rPr>
                           <m:t>𝑆</m:t>
                         </m:r>
                       </m:e>
                       <m:sub>
                         <m:r>
-                          <a:rPr lang="en-US" i="1"/>
+                          <a:rPr lang="en-US" i="1">
+                            <a:latin typeface="Cambria Math" panose="02040503050406030204" pitchFamily="18" charset="0"/>
+                          </a:rPr>
                           <m:t>𝑛𝑜𝑟𝑚</m:t>
                         </m:r>
                       </m:sub>
                     </m:sSub>
                     <m:r>
-                      <a:rPr lang="ru-RU" i="1"/>
+                      <a:rPr lang="ru-RU" i="1">
+                        <a:latin typeface="Cambria Math" panose="02040503050406030204" pitchFamily="18" charset="0"/>
+                      </a:rPr>
                       <m:t> = </m:t>
                     </m:r>
                     <m:sSub>
                       <m:sSubPr>
                         <m:ctrlPr>
-                          <a:rPr lang="ru-RU" i="1"/>
+                          <a:rPr lang="ru-RU" i="1">
+                            <a:latin typeface="Cambria Math" panose="02040503050406030204" pitchFamily="18" charset="0"/>
+                          </a:rPr>
                         </m:ctrlPr>
                       </m:sSubPr>
                       <m:e>
                         <m:r>
-                          <a:rPr lang="ru-RU" i="1"/>
+                          <a:rPr lang="ru-RU" i="1">
+                            <a:latin typeface="Cambria Math" panose="02040503050406030204" pitchFamily="18" charset="0"/>
+                          </a:rPr>
                           <m:t>𝑆</m:t>
                         </m:r>
                       </m:e>
                       <m:sub>
                         <m:r>
-                          <a:rPr lang="ru-RU" i="1"/>
+                          <a:rPr lang="ru-RU" i="1">
+                            <a:latin typeface="Cambria Math" panose="02040503050406030204" pitchFamily="18" charset="0"/>
+                          </a:rPr>
                           <m:t>𝑝𝑒𝑟𝑓</m:t>
                         </m:r>
                       </m:sub>
                     </m:sSub>
                     <m:r>
-                      <a:rPr lang="ru-RU" i="1"/>
+                      <a:rPr lang="ru-RU" i="1">
+                        <a:latin typeface="Cambria Math" panose="02040503050406030204" pitchFamily="18" charset="0"/>
+                      </a:rPr>
                       <m:t>∗0.5</m:t>
                     </m:r>
                   </m:oMath>
@@ -8320,7 +8987,7 @@
             </p:txBody>
           </p:sp>
         </mc:Choice>
-        <mc:Fallback>
+        <mc:Fallback xmlns="">
           <p:sp>
             <p:nvSpPr>
               <p:cNvPr id="3" name="Объект 2">
@@ -8374,6 +9041,18 @@
   <p:clrMapOvr>
     <a:masterClrMapping/>
   </p:clrMapOvr>
+  <mc:AlternateContent xmlns:mc="http://schemas.openxmlformats.org/markup-compatibility/2006">
+    <mc:Choice xmlns:p15="http://schemas.microsoft.com/office/powerpoint/2012/main" Requires="p15">
+      <p:transition xmlns:p14="http://schemas.microsoft.com/office/powerpoint/2010/main" spd="slow" p14:dur="1250">
+        <p15:prstTrans prst="pageCurlDouble"/>
+      </p:transition>
+    </mc:Choice>
+    <mc:Fallback>
+      <p:transition spd="slow">
+        <p:fade/>
+      </p:transition>
+    </mc:Fallback>
+  </mc:AlternateContent>
 </p:sld>
 </file>
 
@@ -8461,6 +9140,18 @@
   <p:clrMapOvr>
     <a:masterClrMapping/>
   </p:clrMapOvr>
+  <mc:AlternateContent xmlns:mc="http://schemas.openxmlformats.org/markup-compatibility/2006">
+    <mc:Choice xmlns:p15="http://schemas.microsoft.com/office/powerpoint/2012/main" Requires="p15">
+      <p:transition xmlns:p14="http://schemas.microsoft.com/office/powerpoint/2010/main" spd="slow" p14:dur="1250">
+        <p15:prstTrans prst="pageCurlDouble"/>
+      </p:transition>
+    </mc:Choice>
+    <mc:Fallback>
+      <p:transition spd="slow">
+        <p:fade/>
+      </p:transition>
+    </mc:Fallback>
+  </mc:AlternateContent>
 </p:sld>
 </file>
 
@@ -8560,6 +9251,18 @@
   <p:clrMapOvr>
     <a:masterClrMapping/>
   </p:clrMapOvr>
+  <mc:AlternateContent xmlns:mc="http://schemas.openxmlformats.org/markup-compatibility/2006">
+    <mc:Choice xmlns:p15="http://schemas.microsoft.com/office/powerpoint/2012/main" Requires="p15">
+      <p:transition xmlns:p14="http://schemas.microsoft.com/office/powerpoint/2010/main" spd="slow" p14:dur="1250">
+        <p15:prstTrans prst="pageCurlDouble"/>
+      </p:transition>
+    </mc:Choice>
+    <mc:Fallback>
+      <p:transition spd="slow">
+        <p:fade/>
+      </p:transition>
+    </mc:Fallback>
+  </mc:AlternateContent>
 </p:sld>
 </file>
 
@@ -8651,6 +9354,18 @@
   <p:clrMapOvr>
     <a:masterClrMapping/>
   </p:clrMapOvr>
+  <mc:AlternateContent xmlns:mc="http://schemas.openxmlformats.org/markup-compatibility/2006">
+    <mc:Choice xmlns:p15="http://schemas.microsoft.com/office/powerpoint/2012/main" Requires="p15">
+      <p:transition xmlns:p14="http://schemas.microsoft.com/office/powerpoint/2010/main" spd="slow" p14:dur="1250">
+        <p15:prstTrans prst="pageCurlDouble"/>
+      </p:transition>
+    </mc:Choice>
+    <mc:Fallback>
+      <p:transition spd="slow">
+        <p:fade/>
+      </p:transition>
+    </mc:Fallback>
+  </mc:AlternateContent>
 </p:sld>
 </file>
 
@@ -8717,7 +9432,9 @@
         </p:nvSpPr>
         <p:spPr/>
         <p:txBody>
-          <a:bodyPr/>
+          <a:bodyPr>
+            <a:normAutofit lnSpcReduction="10000"/>
+          </a:bodyPr>
           <a:lstStyle/>
           <a:p>
             <a:r>
@@ -8742,6 +9459,38 @@
               <a:rPr lang="ru-RU" dirty="0"/>
               <a:t>4. Добавление счетчика здоровья и возможности проиграть</a:t>
             </a:r>
+            <a:endParaRPr lang="en-US" dirty="0"/>
+          </a:p>
+          <a:p>
+            <a:endParaRPr lang="en-US" dirty="0"/>
+          </a:p>
+          <a:p>
+            <a:endParaRPr lang="en-US" dirty="0"/>
+          </a:p>
+          <a:p>
+            <a:endParaRPr lang="en-US" dirty="0"/>
+          </a:p>
+          <a:p>
+            <a:pPr marL="0" indent="0">
+              <a:buNone/>
+            </a:pPr>
+            <a:r>
+              <a:rPr lang="en-US" dirty="0" err="1"/>
+              <a:t>Github</a:t>
+            </a:r>
+            <a:r>
+              <a:rPr lang="en-US" dirty="0"/>
+              <a:t> </a:t>
+            </a:r>
+            <a:r>
+              <a:rPr lang="ru-RU" dirty="0"/>
+              <a:t>проекта: </a:t>
+            </a:r>
+            <a:r>
+              <a:rPr lang="en-US" dirty="0"/>
+              <a:t>https://github.com/ElPresedente/test_proj</a:t>
+            </a:r>
+            <a:endParaRPr lang="ru-RU" dirty="0"/>
           </a:p>
         </p:txBody>
       </p:sp>
@@ -8755,6 +9504,18 @@
   <p:clrMapOvr>
     <a:masterClrMapping/>
   </p:clrMapOvr>
+  <mc:AlternateContent xmlns:mc="http://schemas.openxmlformats.org/markup-compatibility/2006">
+    <mc:Choice xmlns:p15="http://schemas.microsoft.com/office/powerpoint/2012/main" Requires="p15">
+      <p:transition xmlns:p14="http://schemas.microsoft.com/office/powerpoint/2010/main" spd="slow" p14:dur="1250">
+        <p15:prstTrans prst="pageCurlDouble"/>
+      </p:transition>
+    </mc:Choice>
+    <mc:Fallback>
+      <p:transition spd="slow">
+        <p:fade/>
+      </p:transition>
+    </mc:Fallback>
+  </mc:AlternateContent>
 </p:sld>
 </file>
 
@@ -9010,4 +9771,299 @@
     </a:ext>
   </a:extLst>
 </a:theme>
+</file>
+
+<file path=ppt/theme/theme2.xml><?xml version="1.0" encoding="utf-8"?>
+<a:theme xmlns:a="http://schemas.openxmlformats.org/drawingml/2006/main" name="Тема Office">
+  <a:themeElements>
+    <a:clrScheme name="Стандартная">
+      <a:dk1>
+        <a:sysClr val="windowText" lastClr="000000"/>
+      </a:dk1>
+      <a:lt1>
+        <a:sysClr val="window" lastClr="FFFFFF"/>
+      </a:lt1>
+      <a:dk2>
+        <a:srgbClr val="44546A"/>
+      </a:dk2>
+      <a:lt2>
+        <a:srgbClr val="E7E6E6"/>
+      </a:lt2>
+      <a:accent1>
+        <a:srgbClr val="4472C4"/>
+      </a:accent1>
+      <a:accent2>
+        <a:srgbClr val="ED7D31"/>
+      </a:accent2>
+      <a:accent3>
+        <a:srgbClr val="A5A5A5"/>
+      </a:accent3>
+      <a:accent4>
+        <a:srgbClr val="FFC000"/>
+      </a:accent4>
+      <a:accent5>
+        <a:srgbClr val="5B9BD5"/>
+      </a:accent5>
+      <a:accent6>
+        <a:srgbClr val="70AD47"/>
+      </a:accent6>
+      <a:hlink>
+        <a:srgbClr val="0563C1"/>
+      </a:hlink>
+      <a:folHlink>
+        <a:srgbClr val="954F72"/>
+      </a:folHlink>
+    </a:clrScheme>
+    <a:fontScheme name="Стандартная">
+      <a:majorFont>
+        <a:latin typeface="Calibri Light" panose="020F0302020204030204"/>
+        <a:ea typeface=""/>
+        <a:cs typeface=""/>
+        <a:font script="Jpan" typeface="游ゴシック Light"/>
+        <a:font script="Hang" typeface="맑은 고딕"/>
+        <a:font script="Hans" typeface="等线 Light"/>
+        <a:font script="Hant" typeface="新細明體"/>
+        <a:font script="Arab" typeface="Times New Roman"/>
+        <a:font script="Hebr" typeface="Times New Roman"/>
+        <a:font script="Thai" typeface="Angsana New"/>
+        <a:font script="Ethi" typeface="Nyala"/>
+        <a:font script="Beng" typeface="Vrinda"/>
+        <a:font script="Gujr" typeface="Shruti"/>
+        <a:font script="Khmr" typeface="MoolBoran"/>
+        <a:font script="Knda" typeface="Tunga"/>
+        <a:font script="Guru" typeface="Raavi"/>
+        <a:font script="Cans" typeface="Euphemia"/>
+        <a:font script="Cher" typeface="Plantagenet Cherokee"/>
+        <a:font script="Yiii" typeface="Microsoft Yi Baiti"/>
+        <a:font script="Tibt" typeface="Microsoft Himalaya"/>
+        <a:font script="Thaa" typeface="MV Boli"/>
+        <a:font script="Deva" typeface="Mangal"/>
+        <a:font script="Telu" typeface="Gautami"/>
+        <a:font script="Taml" typeface="Latha"/>
+        <a:font script="Syrc" typeface="Estrangelo Edessa"/>
+        <a:font script="Orya" typeface="Kalinga"/>
+        <a:font script="Mlym" typeface="Kartika"/>
+        <a:font script="Laoo" typeface="DokChampa"/>
+        <a:font script="Sinh" typeface="Iskoola Pota"/>
+        <a:font script="Mong" typeface="Mongolian Baiti"/>
+        <a:font script="Viet" typeface="Times New Roman"/>
+        <a:font script="Uigh" typeface="Microsoft Uighur"/>
+        <a:font script="Geor" typeface="Sylfaen"/>
+        <a:font script="Armn" typeface="Arial"/>
+        <a:font script="Bugi" typeface="Leelawadee UI"/>
+        <a:font script="Bopo" typeface="Microsoft JhengHei"/>
+        <a:font script="Java" typeface="Javanese Text"/>
+        <a:font script="Lisu" typeface="Segoe UI"/>
+        <a:font script="Mymr" typeface="Myanmar Text"/>
+        <a:font script="Nkoo" typeface="Ebrima"/>
+        <a:font script="Olck" typeface="Nirmala UI"/>
+        <a:font script="Osma" typeface="Ebrima"/>
+        <a:font script="Phag" typeface="Phagspa"/>
+        <a:font script="Syrn" typeface="Estrangelo Edessa"/>
+        <a:font script="Syrj" typeface="Estrangelo Edessa"/>
+        <a:font script="Syre" typeface="Estrangelo Edessa"/>
+        <a:font script="Sora" typeface="Nirmala UI"/>
+        <a:font script="Tale" typeface="Microsoft Tai Le"/>
+        <a:font script="Talu" typeface="Microsoft New Tai Lue"/>
+        <a:font script="Tfng" typeface="Ebrima"/>
+      </a:majorFont>
+      <a:minorFont>
+        <a:latin typeface="Calibri" panose="020F0502020204030204"/>
+        <a:ea typeface=""/>
+        <a:cs typeface=""/>
+        <a:font script="Jpan" typeface="游ゴシック"/>
+        <a:font script="Hang" typeface="맑은 고딕"/>
+        <a:font script="Hans" typeface="等线"/>
+        <a:font script="Hant" typeface="新細明體"/>
+        <a:font script="Arab" typeface="Arial"/>
+        <a:font script="Hebr" typeface="Arial"/>
+        <a:font script="Thai" typeface="Cordia New"/>
+        <a:font script="Ethi" typeface="Nyala"/>
+        <a:font script="Beng" typeface="Vrinda"/>
+        <a:font script="Gujr" typeface="Shruti"/>
+        <a:font script="Khmr" typeface="DaunPenh"/>
+        <a:font script="Knda" typeface="Tunga"/>
+        <a:font script="Guru" typeface="Raavi"/>
+        <a:font script="Cans" typeface="Euphemia"/>
+        <a:font script="Cher" typeface="Plantagenet Cherokee"/>
+        <a:font script="Yiii" typeface="Microsoft Yi Baiti"/>
+        <a:font script="Tibt" typeface="Microsoft Himalaya"/>
+        <a:font script="Thaa" typeface="MV Boli"/>
+        <a:font script="Deva" typeface="Mangal"/>
+        <a:font script="Telu" typeface="Gautami"/>
+        <a:font script="Taml" typeface="Latha"/>
+        <a:font script="Syrc" typeface="Estrangelo Edessa"/>
+        <a:font script="Orya" typeface="Kalinga"/>
+        <a:font script="Mlym" typeface="Kartika"/>
+        <a:font script="Laoo" typeface="DokChampa"/>
+        <a:font script="Sinh" typeface="Iskoola Pota"/>
+        <a:font script="Mong" typeface="Mongolian Baiti"/>
+        <a:font script="Viet" typeface="Arial"/>
+        <a:font script="Uigh" typeface="Microsoft Uighur"/>
+        <a:font script="Geor" typeface="Sylfaen"/>
+        <a:font script="Armn" typeface="Arial"/>
+        <a:font script="Bugi" typeface="Leelawadee UI"/>
+        <a:font script="Bopo" typeface="Microsoft JhengHei"/>
+        <a:font script="Java" typeface="Javanese Text"/>
+        <a:font script="Lisu" typeface="Segoe UI"/>
+        <a:font script="Mymr" typeface="Myanmar Text"/>
+        <a:font script="Nkoo" typeface="Ebrima"/>
+        <a:font script="Olck" typeface="Nirmala UI"/>
+        <a:font script="Osma" typeface="Ebrima"/>
+        <a:font script="Phag" typeface="Phagspa"/>
+        <a:font script="Syrn" typeface="Estrangelo Edessa"/>
+        <a:font script="Syrj" typeface="Estrangelo Edessa"/>
+        <a:font script="Syre" typeface="Estrangelo Edessa"/>
+        <a:font script="Sora" typeface="Nirmala UI"/>
+        <a:font script="Tale" typeface="Microsoft Tai Le"/>
+        <a:font script="Talu" typeface="Microsoft New Tai Lue"/>
+        <a:font script="Tfng" typeface="Ebrima"/>
+      </a:minorFont>
+    </a:fontScheme>
+    <a:fmtScheme name="Стандартная">
+      <a:fillStyleLst>
+        <a:solidFill>
+          <a:schemeClr val="phClr"/>
+        </a:solidFill>
+        <a:gradFill rotWithShape="1">
+          <a:gsLst>
+            <a:gs pos="0">
+              <a:schemeClr val="phClr">
+                <a:lumMod val="110000"/>
+                <a:satMod val="105000"/>
+                <a:tint val="67000"/>
+              </a:schemeClr>
+            </a:gs>
+            <a:gs pos="50000">
+              <a:schemeClr val="phClr">
+                <a:lumMod val="105000"/>
+                <a:satMod val="103000"/>
+                <a:tint val="73000"/>
+              </a:schemeClr>
+            </a:gs>
+            <a:gs pos="100000">
+              <a:schemeClr val="phClr">
+                <a:lumMod val="105000"/>
+                <a:satMod val="109000"/>
+                <a:tint val="81000"/>
+              </a:schemeClr>
+            </a:gs>
+          </a:gsLst>
+          <a:lin ang="5400000" scaled="0"/>
+        </a:gradFill>
+        <a:gradFill rotWithShape="1">
+          <a:gsLst>
+            <a:gs pos="0">
+              <a:schemeClr val="phClr">
+                <a:satMod val="103000"/>
+                <a:lumMod val="102000"/>
+                <a:tint val="94000"/>
+              </a:schemeClr>
+            </a:gs>
+            <a:gs pos="50000">
+              <a:schemeClr val="phClr">
+                <a:satMod val="110000"/>
+                <a:lumMod val="100000"/>
+                <a:shade val="100000"/>
+              </a:schemeClr>
+            </a:gs>
+            <a:gs pos="100000">
+              <a:schemeClr val="phClr">
+                <a:lumMod val="99000"/>
+                <a:satMod val="120000"/>
+                <a:shade val="78000"/>
+              </a:schemeClr>
+            </a:gs>
+          </a:gsLst>
+          <a:lin ang="5400000" scaled="0"/>
+        </a:gradFill>
+      </a:fillStyleLst>
+      <a:lnStyleLst>
+        <a:ln w="6350" cap="flat" cmpd="sng" algn="ctr">
+          <a:solidFill>
+            <a:schemeClr val="phClr"/>
+          </a:solidFill>
+          <a:prstDash val="solid"/>
+          <a:miter lim="800000"/>
+        </a:ln>
+        <a:ln w="12700" cap="flat" cmpd="sng" algn="ctr">
+          <a:solidFill>
+            <a:schemeClr val="phClr"/>
+          </a:solidFill>
+          <a:prstDash val="solid"/>
+          <a:miter lim="800000"/>
+        </a:ln>
+        <a:ln w="19050" cap="flat" cmpd="sng" algn="ctr">
+          <a:solidFill>
+            <a:schemeClr val="phClr"/>
+          </a:solidFill>
+          <a:prstDash val="solid"/>
+          <a:miter lim="800000"/>
+        </a:ln>
+      </a:lnStyleLst>
+      <a:effectStyleLst>
+        <a:effectStyle>
+          <a:effectLst/>
+        </a:effectStyle>
+        <a:effectStyle>
+          <a:effectLst/>
+        </a:effectStyle>
+        <a:effectStyle>
+          <a:effectLst>
+            <a:outerShdw blurRad="57150" dist="19050" dir="5400000" algn="ctr" rotWithShape="0">
+              <a:srgbClr val="000000">
+                <a:alpha val="63000"/>
+              </a:srgbClr>
+            </a:outerShdw>
+          </a:effectLst>
+        </a:effectStyle>
+      </a:effectStyleLst>
+      <a:bgFillStyleLst>
+        <a:solidFill>
+          <a:schemeClr val="phClr"/>
+        </a:solidFill>
+        <a:solidFill>
+          <a:schemeClr val="phClr">
+            <a:tint val="95000"/>
+            <a:satMod val="170000"/>
+          </a:schemeClr>
+        </a:solidFill>
+        <a:gradFill rotWithShape="1">
+          <a:gsLst>
+            <a:gs pos="0">
+              <a:schemeClr val="phClr">
+                <a:tint val="93000"/>
+                <a:satMod val="150000"/>
+                <a:shade val="98000"/>
+                <a:lumMod val="102000"/>
+              </a:schemeClr>
+            </a:gs>
+            <a:gs pos="50000">
+              <a:schemeClr val="phClr">
+                <a:tint val="98000"/>
+                <a:satMod val="130000"/>
+                <a:shade val="90000"/>
+                <a:lumMod val="103000"/>
+              </a:schemeClr>
+            </a:gs>
+            <a:gs pos="100000">
+              <a:schemeClr val="phClr">
+                <a:shade val="63000"/>
+                <a:satMod val="120000"/>
+              </a:schemeClr>
+            </a:gs>
+          </a:gsLst>
+          <a:lin ang="5400000" scaled="0"/>
+        </a:gradFill>
+      </a:bgFillStyleLst>
+    </a:fmtScheme>
+  </a:themeElements>
+  <a:objectDefaults/>
+  <a:extraClrSchemeLst/>
+  <a:extLst>
+    <a:ext uri="{05A4C25C-085E-4340-85A3-A5531E510DB2}">
+      <thm15:themeFamily xmlns:thm15="http://schemas.microsoft.com/office/thememl/2012/main" name="Office Theme" id="{62F939B6-93AF-4DB8-9C6B-D6C7DFDC589F}" vid="{4A3C46E8-61CC-4603-A589-7422A47A8E4A}"/>
+    </a:ext>
+  </a:extLst>
+</a:theme>
 </file>
--- a/Docs/Презентация.pptx
+++ b/Docs/Презентация.pptx
@@ -229,7 +229,7 @@
           <a:p>
             <a:fld id="{67AA3703-F137-4EEC-BA90-EF21EFC4A050}" type="datetimeFigureOut">
               <a:rPr lang="ru-RU" smtClean="0"/>
-              <a:t>21.12.2020</a:t>
+              <a:t>22.12.2020</a:t>
             </a:fld>
             <a:endParaRPr lang="ru-RU"/>
           </a:p>
@@ -770,7 +770,7 @@
           <a:p>
             <a:fld id="{78ABE3C1-DBE1-495D-B57B-2849774B866A}" type="datetimeFigureOut">
               <a:rPr lang="en-US" dirty="0"/>
-              <a:t>12/21/2020</a:t>
+              <a:t>12/22/2020</a:t>
             </a:fld>
             <a:endParaRPr lang="en-US" dirty="0"/>
           </a:p>
@@ -828,13 +828,13 @@
   <p:clrMapOvr>
     <a:masterClrMapping/>
   </p:clrMapOvr>
-  <mc:AlternateContent xmlns:mc="http://schemas.openxmlformats.org/markup-compatibility/2006">
-    <mc:Choice xmlns:p15="http://schemas.microsoft.com/office/powerpoint/2012/main" Requires="p15">
+  <mc:AlternateContent xmlns:mc="http://schemas.openxmlformats.org/markup-compatibility/2006" xmlns:p15="http://schemas.microsoft.com/office/powerpoint/2012/main">
+    <mc:Choice Requires="p15">
       <p:transition xmlns:p14="http://schemas.microsoft.com/office/powerpoint/2010/main" spd="slow" p14:dur="1250">
         <p15:prstTrans prst="pageCurlDouble"/>
       </p:transition>
     </mc:Choice>
-    <mc:Fallback>
+    <mc:Fallback xmlns="">
       <p:transition spd="slow">
         <p:fade/>
       </p:transition>
@@ -1191,7 +1191,7 @@
           <a:p>
             <a:fld id="{446C117F-5CCF-4837-BE5F-2B92066CAFAF}" type="datetimeFigureOut">
               <a:rPr lang="en-US" dirty="0"/>
-              <a:t>12/21/2020</a:t>
+              <a:t>12/22/2020</a:t>
             </a:fld>
             <a:endParaRPr lang="en-US" dirty="0"/>
           </a:p>
@@ -1249,13 +1249,13 @@
   <p:clrMapOvr>
     <a:masterClrMapping/>
   </p:clrMapOvr>
-  <mc:AlternateContent xmlns:mc="http://schemas.openxmlformats.org/markup-compatibility/2006">
-    <mc:Choice xmlns:p15="http://schemas.microsoft.com/office/powerpoint/2012/main" Requires="p15">
+  <mc:AlternateContent xmlns:mc="http://schemas.openxmlformats.org/markup-compatibility/2006" xmlns:p15="http://schemas.microsoft.com/office/powerpoint/2012/main">
+    <mc:Choice Requires="p15">
       <p:transition xmlns:p14="http://schemas.microsoft.com/office/powerpoint/2010/main" spd="slow" p14:dur="1250">
         <p15:prstTrans prst="pageCurlDouble"/>
       </p:transition>
     </mc:Choice>
-    <mc:Fallback>
+    <mc:Fallback xmlns="">
       <p:transition spd="slow">
         <p:fade/>
       </p:transition>
@@ -1534,7 +1534,7 @@
           <a:p>
             <a:fld id="{84EB90BD-B6CE-46B7-997F-7313B992CCDC}" type="datetimeFigureOut">
               <a:rPr lang="en-US" dirty="0"/>
-              <a:t>12/21/2020</a:t>
+              <a:t>12/22/2020</a:t>
             </a:fld>
             <a:endParaRPr lang="en-US" dirty="0"/>
           </a:p>
@@ -1592,13 +1592,13 @@
   <p:clrMapOvr>
     <a:masterClrMapping/>
   </p:clrMapOvr>
-  <mc:AlternateContent xmlns:mc="http://schemas.openxmlformats.org/markup-compatibility/2006">
-    <mc:Choice xmlns:p15="http://schemas.microsoft.com/office/powerpoint/2012/main" Requires="p15">
+  <mc:AlternateContent xmlns:mc="http://schemas.openxmlformats.org/markup-compatibility/2006" xmlns:p15="http://schemas.microsoft.com/office/powerpoint/2012/main">
+    <mc:Choice Requires="p15">
       <p:transition xmlns:p14="http://schemas.microsoft.com/office/powerpoint/2010/main" spd="slow" p14:dur="1250">
         <p15:prstTrans prst="pageCurlDouble"/>
       </p:transition>
     </mc:Choice>
-    <mc:Fallback>
+    <mc:Fallback xmlns="">
       <p:transition spd="slow">
         <p:fade/>
       </p:transition>
@@ -1946,7 +1946,7 @@
           <a:p>
             <a:fld id="{CDB9D11F-B188-461D-B23F-39381795C052}" type="datetimeFigureOut">
               <a:rPr lang="en-US" dirty="0"/>
-              <a:t>12/21/2020</a:t>
+              <a:t>12/22/2020</a:t>
             </a:fld>
             <a:endParaRPr lang="en-US" dirty="0"/>
           </a:p>
@@ -2236,13 +2236,13 @@
   <p:clrMapOvr>
     <a:masterClrMapping/>
   </p:clrMapOvr>
-  <mc:AlternateContent xmlns:mc="http://schemas.openxmlformats.org/markup-compatibility/2006">
-    <mc:Choice xmlns:p15="http://schemas.microsoft.com/office/powerpoint/2012/main" Requires="p15">
+  <mc:AlternateContent xmlns:mc="http://schemas.openxmlformats.org/markup-compatibility/2006" xmlns:p15="http://schemas.microsoft.com/office/powerpoint/2012/main">
+    <mc:Choice Requires="p15">
       <p:transition xmlns:p14="http://schemas.microsoft.com/office/powerpoint/2010/main" spd="slow" p14:dur="1250">
         <p15:prstTrans prst="pageCurlDouble"/>
       </p:transition>
     </mc:Choice>
-    <mc:Fallback>
+    <mc:Fallback xmlns="">
       <p:transition spd="slow">
         <p:fade/>
       </p:transition>
@@ -2521,7 +2521,7 @@
           <a:p>
             <a:fld id="{52E6D8D9-55A2-4063-B0F3-121F44549695}" type="datetimeFigureOut">
               <a:rPr lang="en-US" dirty="0"/>
-              <a:t>12/21/2020</a:t>
+              <a:t>12/22/2020</a:t>
             </a:fld>
             <a:endParaRPr lang="en-US" dirty="0"/>
           </a:p>
@@ -2579,13 +2579,13 @@
   <p:clrMapOvr>
     <a:masterClrMapping/>
   </p:clrMapOvr>
-  <mc:AlternateContent xmlns:mc="http://schemas.openxmlformats.org/markup-compatibility/2006">
-    <mc:Choice xmlns:p15="http://schemas.microsoft.com/office/powerpoint/2012/main" Requires="p15">
+  <mc:AlternateContent xmlns:mc="http://schemas.openxmlformats.org/markup-compatibility/2006" xmlns:p15="http://schemas.microsoft.com/office/powerpoint/2012/main">
+    <mc:Choice Requires="p15">
       <p:transition xmlns:p14="http://schemas.microsoft.com/office/powerpoint/2010/main" spd="slow" p14:dur="1250">
         <p15:prstTrans prst="pageCurlDouble"/>
       </p:transition>
     </mc:Choice>
-    <mc:Fallback>
+    <mc:Fallback xmlns="">
       <p:transition spd="slow">
         <p:fade/>
       </p:transition>
@@ -3209,7 +3209,7 @@
           <a:p>
             <a:fld id="{D4B24536-994D-4021-A283-9F449C0DB509}" type="datetimeFigureOut">
               <a:rPr lang="en-US" dirty="0"/>
-              <a:t>12/21/2020</a:t>
+              <a:t>12/22/2020</a:t>
             </a:fld>
             <a:endParaRPr lang="en-US" dirty="0"/>
           </a:p>
@@ -3262,13 +3262,13 @@
   <p:clrMapOvr>
     <a:masterClrMapping/>
   </p:clrMapOvr>
-  <mc:AlternateContent xmlns:mc="http://schemas.openxmlformats.org/markup-compatibility/2006">
-    <mc:Choice xmlns:p15="http://schemas.microsoft.com/office/powerpoint/2012/main" Requires="p15">
+  <mc:AlternateContent xmlns:mc="http://schemas.openxmlformats.org/markup-compatibility/2006" xmlns:p15="http://schemas.microsoft.com/office/powerpoint/2012/main">
+    <mc:Choice Requires="p15">
       <p:transition xmlns:p14="http://schemas.microsoft.com/office/powerpoint/2010/main" spd="slow" p14:dur="1250">
         <p15:prstTrans prst="pageCurlDouble"/>
       </p:transition>
     </mc:Choice>
-    <mc:Fallback>
+    <mc:Fallback xmlns="">
       <p:transition spd="slow">
         <p:fade/>
       </p:transition>
@@ -4129,7 +4129,7 @@
           <a:p>
             <a:fld id="{3CBBBB78-C96F-47B7-AB17-D852CA960AC9}" type="datetimeFigureOut">
               <a:rPr lang="en-US" dirty="0"/>
-              <a:t>12/21/2020</a:t>
+              <a:t>12/22/2020</a:t>
             </a:fld>
             <a:endParaRPr lang="en-US" dirty="0"/>
           </a:p>
@@ -4182,13 +4182,13 @@
   <p:clrMapOvr>
     <a:masterClrMapping/>
   </p:clrMapOvr>
-  <mc:AlternateContent xmlns:mc="http://schemas.openxmlformats.org/markup-compatibility/2006">
-    <mc:Choice xmlns:p15="http://schemas.microsoft.com/office/powerpoint/2012/main" Requires="p15">
+  <mc:AlternateContent xmlns:mc="http://schemas.openxmlformats.org/markup-compatibility/2006" xmlns:p15="http://schemas.microsoft.com/office/powerpoint/2012/main">
+    <mc:Choice Requires="p15">
       <p:transition xmlns:p14="http://schemas.microsoft.com/office/powerpoint/2010/main" spd="slow" p14:dur="1250">
         <p15:prstTrans prst="pageCurlDouble"/>
       </p:transition>
     </mc:Choice>
-    <mc:Fallback>
+    <mc:Fallback xmlns="">
       <p:transition spd="slow">
         <p:fade/>
       </p:transition>
@@ -4449,7 +4449,7 @@
           <a:p>
             <a:fld id="{1FA3F48C-C7C6-4055-9F49-3777875E72AE}" type="datetimeFigureOut">
               <a:rPr lang="en-US" dirty="0"/>
-              <a:t>12/21/2020</a:t>
+              <a:t>12/22/2020</a:t>
             </a:fld>
             <a:endParaRPr lang="en-US" dirty="0"/>
           </a:p>
@@ -4502,13 +4502,13 @@
   <p:clrMapOvr>
     <a:masterClrMapping/>
   </p:clrMapOvr>
-  <mc:AlternateContent xmlns:mc="http://schemas.openxmlformats.org/markup-compatibility/2006">
-    <mc:Choice xmlns:p15="http://schemas.microsoft.com/office/powerpoint/2012/main" Requires="p15">
+  <mc:AlternateContent xmlns:mc="http://schemas.openxmlformats.org/markup-compatibility/2006" xmlns:p15="http://schemas.microsoft.com/office/powerpoint/2012/main">
+    <mc:Choice Requires="p15">
       <p:transition xmlns:p14="http://schemas.microsoft.com/office/powerpoint/2010/main" spd="slow" p14:dur="1250">
         <p15:prstTrans prst="pageCurlDouble"/>
       </p:transition>
     </mc:Choice>
-    <mc:Fallback>
+    <mc:Fallback xmlns="">
       <p:transition spd="slow">
         <p:fade/>
       </p:transition>
@@ -4720,7 +4720,7 @@
           <a:p>
             <a:fld id="{6178E61D-D431-422C-9764-11DAFE33AB63}" type="datetimeFigureOut">
               <a:rPr lang="en-US" dirty="0"/>
-              <a:t>12/21/2020</a:t>
+              <a:t>12/22/2020</a:t>
             </a:fld>
             <a:endParaRPr lang="en-US" dirty="0"/>
           </a:p>
@@ -4788,13 +4788,13 @@
   <p:clrMapOvr>
     <a:masterClrMapping/>
   </p:clrMapOvr>
-  <mc:AlternateContent xmlns:mc="http://schemas.openxmlformats.org/markup-compatibility/2006">
-    <mc:Choice xmlns:p15="http://schemas.microsoft.com/office/powerpoint/2012/main" Requires="p15">
+  <mc:AlternateContent xmlns:mc="http://schemas.openxmlformats.org/markup-compatibility/2006" xmlns:p15="http://schemas.microsoft.com/office/powerpoint/2012/main">
+    <mc:Choice Requires="p15">
       <p:transition xmlns:p14="http://schemas.microsoft.com/office/powerpoint/2010/main" spd="slow" p14:dur="1250">
         <p15:prstTrans prst="pageCurlDouble"/>
       </p:transition>
     </mc:Choice>
-    <mc:Fallback>
+    <mc:Fallback xmlns="">
       <p:transition spd="slow">
         <p:fade/>
       </p:transition>
@@ -5051,7 +5051,7 @@
           <a:p>
             <a:fld id="{12DE42F4-6EEF-4EF7-8ED4-2208F0F89A08}" type="datetimeFigureOut">
               <a:rPr lang="en-US" dirty="0"/>
-              <a:t>12/21/2020</a:t>
+              <a:t>12/22/2020</a:t>
             </a:fld>
             <a:endParaRPr lang="en-US" dirty="0"/>
           </a:p>
@@ -5104,13 +5104,13 @@
   <p:clrMapOvr>
     <a:masterClrMapping/>
   </p:clrMapOvr>
-  <mc:AlternateContent xmlns:mc="http://schemas.openxmlformats.org/markup-compatibility/2006">
-    <mc:Choice xmlns:p15="http://schemas.microsoft.com/office/powerpoint/2012/main" Requires="p15">
+  <mc:AlternateContent xmlns:mc="http://schemas.openxmlformats.org/markup-compatibility/2006" xmlns:p15="http://schemas.microsoft.com/office/powerpoint/2012/main">
+    <mc:Choice Requires="p15">
       <p:transition xmlns:p14="http://schemas.microsoft.com/office/powerpoint/2010/main" spd="slow" p14:dur="1250">
         <p15:prstTrans prst="pageCurlDouble"/>
       </p:transition>
     </mc:Choice>
-    <mc:Fallback>
+    <mc:Fallback xmlns="">
       <p:transition spd="slow">
         <p:fade/>
       </p:transition>
@@ -5447,7 +5447,7 @@
           <a:p>
             <a:fld id="{30578ACC-22D6-47C1-A373-4FD133E34F3C}" type="datetimeFigureOut">
               <a:rPr lang="en-US" dirty="0"/>
-              <a:t>12/21/2020</a:t>
+              <a:t>12/22/2020</a:t>
             </a:fld>
             <a:endParaRPr lang="en-US" dirty="0"/>
           </a:p>
@@ -5505,13 +5505,13 @@
   <p:clrMapOvr>
     <a:masterClrMapping/>
   </p:clrMapOvr>
-  <mc:AlternateContent xmlns:mc="http://schemas.openxmlformats.org/markup-compatibility/2006">
-    <mc:Choice xmlns:p15="http://schemas.microsoft.com/office/powerpoint/2012/main" Requires="p15">
+  <mc:AlternateContent xmlns:mc="http://schemas.openxmlformats.org/markup-compatibility/2006" xmlns:p15="http://schemas.microsoft.com/office/powerpoint/2012/main">
+    <mc:Choice Requires="p15">
       <p:transition xmlns:p14="http://schemas.microsoft.com/office/powerpoint/2010/main" spd="slow" p14:dur="1250">
         <p15:prstTrans prst="pageCurlDouble"/>
       </p:transition>
     </mc:Choice>
-    <mc:Fallback>
+    <mc:Fallback xmlns="">
       <p:transition spd="slow">
         <p:fade/>
       </p:transition>
@@ -5830,7 +5830,7 @@
           <a:p>
             <a:fld id="{4E5A6C69-6797-4E8A-BF37-F2C3751466E9}" type="datetimeFigureOut">
               <a:rPr lang="en-US" dirty="0"/>
-              <a:t>12/21/2020</a:t>
+              <a:t>12/22/2020</a:t>
             </a:fld>
             <a:endParaRPr lang="en-US" dirty="0"/>
           </a:p>
@@ -5883,13 +5883,13 @@
   <p:clrMapOvr>
     <a:masterClrMapping/>
   </p:clrMapOvr>
-  <mc:AlternateContent xmlns:mc="http://schemas.openxmlformats.org/markup-compatibility/2006">
-    <mc:Choice xmlns:p15="http://schemas.microsoft.com/office/powerpoint/2012/main" Requires="p15">
+  <mc:AlternateContent xmlns:mc="http://schemas.openxmlformats.org/markup-compatibility/2006" xmlns:p15="http://schemas.microsoft.com/office/powerpoint/2012/main">
+    <mc:Choice Requires="p15">
       <p:transition xmlns:p14="http://schemas.microsoft.com/office/powerpoint/2010/main" spd="slow" p14:dur="1250">
         <p15:prstTrans prst="pageCurlDouble"/>
       </p:transition>
     </mc:Choice>
-    <mc:Fallback>
+    <mc:Fallback xmlns="">
       <p:transition spd="slow">
         <p:fade/>
       </p:transition>
@@ -6343,7 +6343,7 @@
           <a:p>
             <a:fld id="{D82014A1-A632-4878-A0D3-F52BA7563730}" type="datetimeFigureOut">
               <a:rPr lang="en-US" dirty="0"/>
-              <a:t>12/21/2020</a:t>
+              <a:t>12/22/2020</a:t>
             </a:fld>
             <a:endParaRPr lang="en-US" dirty="0"/>
           </a:p>
@@ -6396,13 +6396,13 @@
   <p:clrMapOvr>
     <a:masterClrMapping/>
   </p:clrMapOvr>
-  <mc:AlternateContent xmlns:mc="http://schemas.openxmlformats.org/markup-compatibility/2006">
-    <mc:Choice xmlns:p15="http://schemas.microsoft.com/office/powerpoint/2012/main" Requires="p15">
+  <mc:AlternateContent xmlns:mc="http://schemas.openxmlformats.org/markup-compatibility/2006" xmlns:p15="http://schemas.microsoft.com/office/powerpoint/2012/main">
+    <mc:Choice Requires="p15">
       <p:transition xmlns:p14="http://schemas.microsoft.com/office/powerpoint/2010/main" spd="slow" p14:dur="1250">
         <p15:prstTrans prst="pageCurlDouble"/>
       </p:transition>
     </mc:Choice>
-    <mc:Fallback>
+    <mc:Fallback xmlns="">
       <p:transition spd="slow">
         <p:fade/>
       </p:transition>
@@ -6607,7 +6607,7 @@
           <a:p>
             <a:fld id="{CE99F462-093F-4566-844B-4C71F2739DA5}" type="datetimeFigureOut">
               <a:rPr lang="en-US" dirty="0"/>
-              <a:t>12/21/2020</a:t>
+              <a:t>12/22/2020</a:t>
             </a:fld>
             <a:endParaRPr lang="en-US" dirty="0"/>
           </a:p>
@@ -6660,13 +6660,13 @@
   <p:clrMapOvr>
     <a:masterClrMapping/>
   </p:clrMapOvr>
-  <mc:AlternateContent xmlns:mc="http://schemas.openxmlformats.org/markup-compatibility/2006">
-    <mc:Choice xmlns:p15="http://schemas.microsoft.com/office/powerpoint/2012/main" Requires="p15">
+  <mc:AlternateContent xmlns:mc="http://schemas.openxmlformats.org/markup-compatibility/2006" xmlns:p15="http://schemas.microsoft.com/office/powerpoint/2012/main">
+    <mc:Choice Requires="p15">
       <p:transition xmlns:p14="http://schemas.microsoft.com/office/powerpoint/2010/main" spd="slow" p14:dur="1250">
         <p15:prstTrans prst="pageCurlDouble"/>
       </p:transition>
     </mc:Choice>
-    <mc:Fallback>
+    <mc:Fallback xmlns="">
       <p:transition spd="slow">
         <p:fade/>
       </p:transition>
@@ -6777,7 +6777,7 @@
           <a:p>
             <a:fld id="{3D24A7AC-904D-4781-85BA-7D10C17ED021}" type="datetimeFigureOut">
               <a:rPr lang="en-US" dirty="0"/>
-              <a:t>12/21/2020</a:t>
+              <a:t>12/22/2020</a:t>
             </a:fld>
             <a:endParaRPr lang="en-US" dirty="0"/>
           </a:p>
@@ -6830,13 +6830,13 @@
   <p:clrMapOvr>
     <a:masterClrMapping/>
   </p:clrMapOvr>
-  <mc:AlternateContent xmlns:mc="http://schemas.openxmlformats.org/markup-compatibility/2006">
-    <mc:Choice xmlns:p15="http://schemas.microsoft.com/office/powerpoint/2012/main" Requires="p15">
+  <mc:AlternateContent xmlns:mc="http://schemas.openxmlformats.org/markup-compatibility/2006" xmlns:p15="http://schemas.microsoft.com/office/powerpoint/2012/main">
+    <mc:Choice Requires="p15">
       <p:transition xmlns:p14="http://schemas.microsoft.com/office/powerpoint/2010/main" spd="slow" p14:dur="1250">
         <p15:prstTrans prst="pageCurlDouble"/>
       </p:transition>
     </mc:Choice>
-    <mc:Fallback>
+    <mc:Fallback xmlns="">
       <p:transition spd="slow">
         <p:fade/>
       </p:transition>
@@ -7174,7 +7174,7 @@
           <a:p>
             <a:fld id="{E331444B-B92B-4E27-8C94-BB93EAF5CB18}" type="datetimeFigureOut">
               <a:rPr lang="en-US" dirty="0"/>
-              <a:t>12/21/2020</a:t>
+              <a:t>12/22/2020</a:t>
             </a:fld>
             <a:endParaRPr lang="en-US" dirty="0"/>
           </a:p>
@@ -7227,13 +7227,13 @@
   <p:clrMapOvr>
     <a:masterClrMapping/>
   </p:clrMapOvr>
-  <mc:AlternateContent xmlns:mc="http://schemas.openxmlformats.org/markup-compatibility/2006">
-    <mc:Choice xmlns:p15="http://schemas.microsoft.com/office/powerpoint/2012/main" Requires="p15">
+  <mc:AlternateContent xmlns:mc="http://schemas.openxmlformats.org/markup-compatibility/2006" xmlns:p15="http://schemas.microsoft.com/office/powerpoint/2012/main">
+    <mc:Choice Requires="p15">
       <p:transition xmlns:p14="http://schemas.microsoft.com/office/powerpoint/2010/main" spd="slow" p14:dur="1250">
         <p15:prstTrans prst="pageCurlDouble"/>
       </p:transition>
     </mc:Choice>
-    <mc:Fallback>
+    <mc:Fallback xmlns="">
       <p:transition spd="slow">
         <p:fade/>
       </p:transition>
@@ -7590,7 +7590,7 @@
           <a:p>
             <a:fld id="{363EFA5E-FA76-400D-B3DC-F0BA90E6D107}" type="datetimeFigureOut">
               <a:rPr lang="en-US" dirty="0"/>
-              <a:t>12/21/2020</a:t>
+              <a:t>12/22/2020</a:t>
             </a:fld>
             <a:endParaRPr lang="en-US" dirty="0"/>
           </a:p>
@@ -7643,13 +7643,13 @@
   <p:clrMapOvr>
     <a:masterClrMapping/>
   </p:clrMapOvr>
-  <mc:AlternateContent xmlns:mc="http://schemas.openxmlformats.org/markup-compatibility/2006">
-    <mc:Choice xmlns:p15="http://schemas.microsoft.com/office/powerpoint/2012/main" Requires="p15">
+  <mc:AlternateContent xmlns:mc="http://schemas.openxmlformats.org/markup-compatibility/2006" xmlns:p15="http://schemas.microsoft.com/office/powerpoint/2012/main">
+    <mc:Choice Requires="p15">
       <p:transition xmlns:p14="http://schemas.microsoft.com/office/powerpoint/2010/main" spd="slow" p14:dur="1250">
         <p15:prstTrans prst="pageCurlDouble"/>
       </p:transition>
     </mc:Choice>
-    <mc:Fallback>
+    <mc:Fallback xmlns="">
       <p:transition spd="slow">
         <p:fade/>
       </p:transition>
@@ -7841,7 +7841,7 @@
           <a:p>
             <a:fld id="{9D6E9DEC-419B-4CC5-A080-3B06BD5A8291}" type="datetimeFigureOut">
               <a:rPr lang="en-US" dirty="0"/>
-              <a:t>12/21/2020</a:t>
+              <a:t>12/22/2020</a:t>
             </a:fld>
             <a:endParaRPr lang="en-US" dirty="0"/>
           </a:p>
@@ -7948,13 +7948,13 @@
     <p:sldLayoutId id="2147483658" r:id="rId16"/>
     <p:sldLayoutId id="2147483659" r:id="rId17"/>
   </p:sldLayoutIdLst>
-  <mc:AlternateContent xmlns:mc="http://schemas.openxmlformats.org/markup-compatibility/2006">
-    <mc:Choice xmlns:p15="http://schemas.microsoft.com/office/powerpoint/2012/main" Requires="p15">
+  <mc:AlternateContent xmlns:mc="http://schemas.openxmlformats.org/markup-compatibility/2006" xmlns:p15="http://schemas.microsoft.com/office/powerpoint/2012/main">
+    <mc:Choice Requires="p15">
       <p:transition xmlns:p14="http://schemas.microsoft.com/office/powerpoint/2010/main" spd="slow" p14:dur="1250">
         <p15:prstTrans prst="pageCurlDouble"/>
       </p:transition>
     </mc:Choice>
-    <mc:Fallback>
+    <mc:Fallback xmlns="">
       <p:transition spd="slow">
         <p:fade/>
       </p:transition>
@@ -8338,6 +8338,25 @@
               <a:t>уровни, вовремя нажимая на кнопки на клавиатуре</a:t>
             </a:r>
           </a:p>
+          <a:p>
+            <a:pPr>
+              <a:lnSpc>
+                <a:spcPct val="100000"/>
+              </a:lnSpc>
+              <a:spcBef>
+                <a:spcPts val="0"/>
+              </a:spcBef>
+            </a:pPr>
+            <a:r>
+              <a:rPr lang="ru-RU" dirty="0"/>
+              <a:t>Выполнил: </a:t>
+            </a:r>
+            <a:r>
+              <a:rPr lang="ru-RU"/>
+              <a:t>Воропаев Владимир</a:t>
+            </a:r>
+            <a:endParaRPr lang="ru-RU" dirty="0"/>
+          </a:p>
         </p:txBody>
       </p:sp>
     </p:spTree>
@@ -8350,11 +8369,11 @@
   <p:clrMapOvr>
     <a:masterClrMapping/>
   </p:clrMapOvr>
-  <mc:AlternateContent xmlns:mc="http://schemas.openxmlformats.org/markup-compatibility/2006">
-    <mc:Choice xmlns:p14="http://schemas.microsoft.com/office/powerpoint/2010/main" Requires="p14">
+  <mc:AlternateContent xmlns:mc="http://schemas.openxmlformats.org/markup-compatibility/2006" xmlns:p14="http://schemas.microsoft.com/office/powerpoint/2010/main">
+    <mc:Choice Requires="p14">
       <p:transition p14:dur="0"/>
     </mc:Choice>
-    <mc:Fallback>
+    <mc:Fallback xmlns="">
       <p:transition/>
     </mc:Fallback>
   </mc:AlternateContent>
@@ -8444,13 +8463,13 @@
   <p:clrMapOvr>
     <a:masterClrMapping/>
   </p:clrMapOvr>
-  <mc:AlternateContent xmlns:mc="http://schemas.openxmlformats.org/markup-compatibility/2006">
-    <mc:Choice xmlns:p15="http://schemas.microsoft.com/office/powerpoint/2012/main" Requires="p15">
+  <mc:AlternateContent xmlns:mc="http://schemas.openxmlformats.org/markup-compatibility/2006" xmlns:p15="http://schemas.microsoft.com/office/powerpoint/2012/main">
+    <mc:Choice Requires="p15">
       <p:transition xmlns:p14="http://schemas.microsoft.com/office/powerpoint/2010/main" spd="slow" p14:dur="1250">
         <p15:prstTrans prst="pageCurlDouble"/>
       </p:transition>
     </mc:Choice>
-    <mc:Fallback>
+    <mc:Fallback xmlns="">
       <p:transition spd="slow">
         <p:fade/>
       </p:transition>
@@ -9041,13 +9060,13 @@
   <p:clrMapOvr>
     <a:masterClrMapping/>
   </p:clrMapOvr>
-  <mc:AlternateContent xmlns:mc="http://schemas.openxmlformats.org/markup-compatibility/2006">
-    <mc:Choice xmlns:p15="http://schemas.microsoft.com/office/powerpoint/2012/main" Requires="p15">
+  <mc:AlternateContent xmlns:mc="http://schemas.openxmlformats.org/markup-compatibility/2006" xmlns:p15="http://schemas.microsoft.com/office/powerpoint/2012/main">
+    <mc:Choice Requires="p15">
       <p:transition xmlns:p14="http://schemas.microsoft.com/office/powerpoint/2010/main" spd="slow" p14:dur="1250">
         <p15:prstTrans prst="pageCurlDouble"/>
       </p:transition>
     </mc:Choice>
-    <mc:Fallback>
+    <mc:Fallback xmlns="">
       <p:transition spd="slow">
         <p:fade/>
       </p:transition>
@@ -9140,13 +9159,13 @@
   <p:clrMapOvr>
     <a:masterClrMapping/>
   </p:clrMapOvr>
-  <mc:AlternateContent xmlns:mc="http://schemas.openxmlformats.org/markup-compatibility/2006">
-    <mc:Choice xmlns:p15="http://schemas.microsoft.com/office/powerpoint/2012/main" Requires="p15">
+  <mc:AlternateContent xmlns:mc="http://schemas.openxmlformats.org/markup-compatibility/2006" xmlns:p15="http://schemas.microsoft.com/office/powerpoint/2012/main">
+    <mc:Choice Requires="p15">
       <p:transition xmlns:p14="http://schemas.microsoft.com/office/powerpoint/2010/main" spd="slow" p14:dur="1250">
         <p15:prstTrans prst="pageCurlDouble"/>
       </p:transition>
     </mc:Choice>
-    <mc:Fallback>
+    <mc:Fallback xmlns="">
       <p:transition spd="slow">
         <p:fade/>
       </p:transition>
@@ -9251,13 +9270,13 @@
   <p:clrMapOvr>
     <a:masterClrMapping/>
   </p:clrMapOvr>
-  <mc:AlternateContent xmlns:mc="http://schemas.openxmlformats.org/markup-compatibility/2006">
-    <mc:Choice xmlns:p15="http://schemas.microsoft.com/office/powerpoint/2012/main" Requires="p15">
+  <mc:AlternateContent xmlns:mc="http://schemas.openxmlformats.org/markup-compatibility/2006" xmlns:p15="http://schemas.microsoft.com/office/powerpoint/2012/main">
+    <mc:Choice Requires="p15">
       <p:transition xmlns:p14="http://schemas.microsoft.com/office/powerpoint/2010/main" spd="slow" p14:dur="1250">
         <p15:prstTrans prst="pageCurlDouble"/>
       </p:transition>
     </mc:Choice>
-    <mc:Fallback>
+    <mc:Fallback xmlns="">
       <p:transition spd="slow">
         <p:fade/>
       </p:transition>
@@ -9354,13 +9373,13 @@
   <p:clrMapOvr>
     <a:masterClrMapping/>
   </p:clrMapOvr>
-  <mc:AlternateContent xmlns:mc="http://schemas.openxmlformats.org/markup-compatibility/2006">
-    <mc:Choice xmlns:p15="http://schemas.microsoft.com/office/powerpoint/2012/main" Requires="p15">
+  <mc:AlternateContent xmlns:mc="http://schemas.openxmlformats.org/markup-compatibility/2006" xmlns:p15="http://schemas.microsoft.com/office/powerpoint/2012/main">
+    <mc:Choice Requires="p15">
       <p:transition xmlns:p14="http://schemas.microsoft.com/office/powerpoint/2010/main" spd="slow" p14:dur="1250">
         <p15:prstTrans prst="pageCurlDouble"/>
       </p:transition>
     </mc:Choice>
-    <mc:Fallback>
+    <mc:Fallback xmlns="">
       <p:transition spd="slow">
         <p:fade/>
       </p:transition>
@@ -9504,13 +9523,13 @@
   <p:clrMapOvr>
     <a:masterClrMapping/>
   </p:clrMapOvr>
-  <mc:AlternateContent xmlns:mc="http://schemas.openxmlformats.org/markup-compatibility/2006">
-    <mc:Choice xmlns:p15="http://schemas.microsoft.com/office/powerpoint/2012/main" Requires="p15">
+  <mc:AlternateContent xmlns:mc="http://schemas.openxmlformats.org/markup-compatibility/2006" xmlns:p15="http://schemas.microsoft.com/office/powerpoint/2012/main">
+    <mc:Choice Requires="p15">
       <p:transition xmlns:p14="http://schemas.microsoft.com/office/powerpoint/2010/main" spd="slow" p14:dur="1250">
         <p15:prstTrans prst="pageCurlDouble"/>
       </p:transition>
     </mc:Choice>
-    <mc:Fallback>
+    <mc:Fallback xmlns="">
       <p:transition spd="slow">
         <p:fade/>
       </p:transition>
